--- a/docs/Rasa custom NLU 모델 개발_팀장님.pptx
+++ b/docs/Rasa custom NLU 모델 개발_팀장님.pptx
@@ -179,7 +179,6 @@
           </a:p>
         </c:rich>
       </c:tx>
-      <c:layout/>
       <c:overlay val="0"/>
       <c:spPr>
         <a:noFill/>
@@ -464,7 +463,6 @@
     </c:plotArea>
     <c:legend>
       <c:legendPos val="b"/>
-      <c:layout/>
       <c:overlay val="0"/>
       <c:spPr>
         <a:noFill/>
@@ -576,7 +574,6 @@
           </a:p>
         </c:rich>
       </c:tx>
-      <c:layout/>
       <c:overlay val="0"/>
       <c:spPr>
         <a:noFill/>
@@ -815,7 +812,6 @@
     </c:plotArea>
     <c:legend>
       <c:legendPos val="b"/>
-      <c:layout/>
       <c:overlay val="0"/>
       <c:spPr>
         <a:noFill/>
@@ -940,7 +936,6 @@
           </a:p>
         </c:rich>
       </c:tx>
-      <c:layout/>
       <c:overlay val="0"/>
       <c:spPr>
         <a:noFill/>
@@ -1368,7 +1363,6 @@
     </c:plotArea>
     <c:legend>
       <c:legendPos val="b"/>
-      <c:layout/>
       <c:overlay val="0"/>
       <c:spPr>
         <a:noFill/>
@@ -1476,7 +1470,6 @@
           </a:p>
         </c:rich>
       </c:tx>
-      <c:layout/>
       <c:overlay val="0"/>
       <c:spPr>
         <a:noFill/>
@@ -1786,7 +1779,6 @@
     </c:plotArea>
     <c:legend>
       <c:legendPos val="b"/>
-      <c:layout/>
       <c:overlay val="0"/>
       <c:spPr>
         <a:noFill/>
@@ -1894,7 +1886,6 @@
           </a:p>
         </c:rich>
       </c:tx>
-      <c:layout/>
       <c:overlay val="0"/>
       <c:spPr>
         <a:noFill/>
@@ -2239,7 +2230,6 @@
     </c:plotArea>
     <c:legend>
       <c:legendPos val="b"/>
-      <c:layout/>
       <c:overlay val="0"/>
       <c:spPr>
         <a:noFill/>
@@ -15545,12 +15535,20 @@
               <a:t>데이터 </a:t>
             </a:r>
             <a:r>
-              <a:rPr lang="en-US" altLang="ko-KR" sz="2000" dirty="0" smtClean="0"/>
+              <a:rPr lang="en-US" altLang="ko-KR" sz="2000" smtClean="0"/>
               <a:t>(</a:t>
             </a:r>
             <a:r>
-              <a:rPr lang="en-US" altLang="ko-KR" sz="2000" dirty="0" err="1" smtClean="0"/>
-              <a:t>Classfier</a:t>
+              <a:rPr lang="en-US" altLang="ko-KR" sz="2000" smtClean="0"/>
+              <a:t>Class</a:t>
+            </a:r>
+            <a:r>
+              <a:rPr lang="en-US" altLang="ko-KR" sz="2000"/>
+              <a:t>i</a:t>
+            </a:r>
+            <a:r>
+              <a:rPr lang="en-US" altLang="ko-KR" sz="2000" smtClean="0"/>
+              <a:t>fier</a:t>
             </a:r>
             <a:r>
               <a:rPr lang="ko-KR" altLang="en-US" sz="2000" dirty="0" smtClean="0"/>
